--- a/Summative/SummativeOutlineAndReview.pptx
+++ b/Summative/SummativeOutlineAndReview.pptx
@@ -3039,6 +3039,13 @@
   <p:clrMapOvr>
     <a:masterClrMapping/>
   </p:clrMapOvr>
+  <p:timing>
+    <p:tnLst>
+      <p:par>
+        <p:cTn id="1" dur="indefinite" restart="never" nodeType="tmRoot"/>
+      </p:par>
+    </p:tnLst>
+  </p:timing>
 </p:sld>
 </file>
 
@@ -3179,6 +3186,13 @@
   <p:clrMapOvr>
     <a:masterClrMapping/>
   </p:clrMapOvr>
+  <p:timing>
+    <p:tnLst>
+      <p:par>
+        <p:cTn id="1" dur="indefinite" restart="never" nodeType="tmRoot"/>
+      </p:par>
+    </p:tnLst>
+  </p:timing>
 </p:sld>
 </file>
 
@@ -3377,6 +3391,13 @@
   <p:clrMapOvr>
     <a:masterClrMapping/>
   </p:clrMapOvr>
+  <p:timing>
+    <p:tnLst>
+      <p:par>
+        <p:cTn id="1" dur="indefinite" restart="never" nodeType="tmRoot"/>
+      </p:par>
+    </p:tnLst>
+  </p:timing>
 </p:sld>
 </file>
 
@@ -3546,6 +3567,13 @@
   <p:clrMapOvr>
     <a:masterClrMapping/>
   </p:clrMapOvr>
+  <p:timing>
+    <p:tnLst>
+      <p:par>
+        <p:cTn id="1" dur="indefinite" restart="never" nodeType="tmRoot"/>
+      </p:par>
+    </p:tnLst>
+  </p:timing>
 </p:sld>
 </file>
 
@@ -3602,7 +3630,7 @@
         <p:spPr/>
         <p:txBody>
           <a:bodyPr>
-            <a:normAutofit fontScale="92500" lnSpcReduction="10000"/>
+            <a:normAutofit/>
           </a:bodyPr>
           <a:lstStyle/>
           <a:p>
@@ -3629,6 +3657,7 @@
             </a:r>
           </a:p>
           <a:p>
+            <a:pPr lvl="1"/>
             <a:r>
               <a:rPr lang="en-US" dirty="0" smtClean="0"/>
               <a:t>Describe </a:t>
@@ -3651,6 +3680,7 @@
             </a:r>
           </a:p>
           <a:p>
+            <a:pPr lvl="1"/>
             <a:r>
               <a:rPr lang="en-US" dirty="0" smtClean="0"/>
               <a:t>Describe procedures </a:t>
@@ -3666,6 +3696,7 @@
             <a:endParaRPr lang="en-US" dirty="0"/>
           </a:p>
           <a:p>
+            <a:pPr lvl="1"/>
             <a:r>
               <a:rPr lang="en-US" dirty="0" smtClean="0"/>
               <a:t>Explain </a:t>
@@ -3701,6 +3732,13 @@
   <p:clrMapOvr>
     <a:masterClrMapping/>
   </p:clrMapOvr>
+  <p:timing>
+    <p:tnLst>
+      <p:par>
+        <p:cTn id="1" dur="indefinite" restart="never" nodeType="tmRoot"/>
+      </p:par>
+    </p:tnLst>
+  </p:timing>
 </p:sld>
 </file>
 
@@ -3779,7 +3817,6 @@
               <a:rPr lang="en-CA" dirty="0" smtClean="0"/>
               <a:t>tests for MC questions</a:t>
             </a:r>
-            <a:endParaRPr lang="en-CA" dirty="0" smtClean="0"/>
           </a:p>
           <a:p>
             <a:endParaRPr lang="en-CA" dirty="0"/>
@@ -3845,6 +3882,13 @@
   <p:clrMapOvr>
     <a:masterClrMapping/>
   </p:clrMapOvr>
+  <p:timing>
+    <p:tnLst>
+      <p:par>
+        <p:cTn id="1" dur="indefinite" restart="never" nodeType="tmRoot"/>
+      </p:par>
+    </p:tnLst>
+  </p:timing>
 </p:sld>
 </file>
 
